--- a/files/Doctoral Stuff/3-13-2020-Program of Studies Meeting.pptx
+++ b/files/Doctoral Stuff/3-13-2020-Program of Studies Meeting.pptx
@@ -6604,11 +6604,7 @@
             </a:pPr>
             <a:r>
               <a:rPr lang="en-US" dirty="0" smtClean="0"/>
-              <a:t>Highly sensitive to visible environment inputs</a:t>
-            </a:r>
-            <a:r>
-              <a:rPr lang="en-US" dirty="0" smtClean="0"/>
-              <a:t>  </a:t>
+              <a:t>Highly sensitive to visible environment inputs  </a:t>
             </a:r>
           </a:p>
         </p:txBody>
@@ -6714,11 +6710,7 @@
             </a:r>
             <a:r>
               <a:rPr lang="en-US" dirty="0" smtClean="0"/>
-              <a:t>low speed, and</a:t>
-            </a:r>
-            <a:r>
-              <a:rPr lang="en-US" dirty="0" smtClean="0"/>
-              <a:t> highly concentrated areas </a:t>
+              <a:t>low speed, and highly concentrated areas </a:t>
             </a:r>
           </a:p>
           <a:p>
@@ -6730,7 +6722,6 @@
               <a:rPr lang="en-US" dirty="0" smtClean="0"/>
               <a:t>Inefficient data usage</a:t>
             </a:r>
-            <a:endParaRPr lang="en-US" dirty="0" smtClean="0"/>
           </a:p>
         </p:txBody>
       </p:sp>
@@ -6771,7 +6762,6 @@
               <a:rPr lang="en-US" dirty="0" smtClean="0"/>
               <a:t>Users: Department of Transportation, Research Institutions</a:t>
             </a:r>
-            <a:endParaRPr lang="en-US" dirty="0" smtClean="0"/>
           </a:p>
           <a:p>
             <a:endParaRPr lang="en-US" dirty="0" smtClean="0"/>
@@ -6941,11 +6931,7 @@
             <a:pPr lvl="1"/>
             <a:r>
               <a:rPr lang="en-US" dirty="0" smtClean="0"/>
-              <a:t>Independent of data </a:t>
-            </a:r>
-            <a:r>
-              <a:rPr lang="en-US" dirty="0" smtClean="0"/>
-              <a:t>sources</a:t>
+              <a:t>Independent of data sources</a:t>
             </a:r>
           </a:p>
           <a:p>
@@ -6954,7 +6940,6 @@
               <a:rPr lang="en-US" dirty="0" smtClean="0"/>
               <a:t>Can be generated from more than one data collection method</a:t>
             </a:r>
-            <a:endParaRPr lang="en-US" dirty="0" smtClean="0"/>
           </a:p>
           <a:p>
             <a:pPr lvl="1"/>
@@ -6967,11 +6952,7 @@
             <a:pPr lvl="2"/>
             <a:r>
               <a:rPr lang="en-US" dirty="0" smtClean="0"/>
-              <a:t>Some vehicles are not considered, for example Cargo Trucks, or Double Semi </a:t>
-            </a:r>
-            <a:r>
-              <a:rPr lang="en-US" dirty="0" smtClean="0"/>
-              <a:t>Trucks</a:t>
+              <a:t>Some vehicles are not considered, for example Cargo Trucks, or Double Semi Trucks</a:t>
             </a:r>
           </a:p>
           <a:p>
@@ -7116,11 +7097,7 @@
             <a:pPr lvl="2"/>
             <a:r>
               <a:rPr lang="en-US" dirty="0" smtClean="0"/>
-              <a:t>Review</a:t>
-            </a:r>
-            <a:r>
-              <a:rPr lang="en-US" dirty="0" smtClean="0"/>
-              <a:t> current technology</a:t>
+              <a:t>Review current technology</a:t>
             </a:r>
           </a:p>
           <a:p>
@@ -7152,11 +7129,7 @@
             <a:pPr lvl="1"/>
             <a:r>
               <a:rPr lang="en-US" dirty="0" smtClean="0"/>
-              <a:t>Obtained </a:t>
-            </a:r>
-            <a:r>
-              <a:rPr lang="en-US" dirty="0" smtClean="0"/>
-              <a:t>a framework in which the road profile can be utilized</a:t>
+              <a:t>Obtained a framework in which the road profile can be utilized</a:t>
             </a:r>
           </a:p>
           <a:p>

--- a/files/Doctoral Stuff/3-13-2020-Program of Studies Meeting.pptx
+++ b/files/Doctoral Stuff/3-13-2020-Program of Studies Meeting.pptx
@@ -5,23 +5,24 @@
     <p:sldMasterId id="2147483707" r:id="rId1"/>
   </p:sldMasterIdLst>
   <p:notesMasterIdLst>
-    <p:notesMasterId r:id="rId13"/>
+    <p:notesMasterId r:id="rId14"/>
   </p:notesMasterIdLst>
   <p:handoutMasterIdLst>
-    <p:handoutMasterId r:id="rId14"/>
+    <p:handoutMasterId r:id="rId15"/>
   </p:handoutMasterIdLst>
   <p:sldIdLst>
     <p:sldId id="293" r:id="rId2"/>
     <p:sldId id="339" r:id="rId3"/>
     <p:sldId id="354" r:id="rId4"/>
-    <p:sldId id="343" r:id="rId5"/>
-    <p:sldId id="348" r:id="rId6"/>
-    <p:sldId id="349" r:id="rId7"/>
-    <p:sldId id="350" r:id="rId8"/>
-    <p:sldId id="353" r:id="rId9"/>
-    <p:sldId id="342" r:id="rId10"/>
-    <p:sldId id="351" r:id="rId11"/>
-    <p:sldId id="352" r:id="rId12"/>
+    <p:sldId id="355" r:id="rId5"/>
+    <p:sldId id="343" r:id="rId6"/>
+    <p:sldId id="348" r:id="rId7"/>
+    <p:sldId id="349" r:id="rId8"/>
+    <p:sldId id="350" r:id="rId9"/>
+    <p:sldId id="353" r:id="rId10"/>
+    <p:sldId id="342" r:id="rId11"/>
+    <p:sldId id="351" r:id="rId12"/>
+    <p:sldId id="352" r:id="rId13"/>
   </p:sldIdLst>
   <p:sldSz cx="9144000" cy="6858000" type="screen4x3"/>
   <p:notesSz cx="6934200" cy="9232900"/>
@@ -1370,11 +1371,11 @@
           <a:lstStyle/>
           <a:p>
             <a:r>
-              <a:rPr lang="en-US" dirty="0" smtClean="0"/>
+              <a:rPr lang="en-US" dirty="0"/>
               <a:t>Depending</a:t>
             </a:r>
             <a:r>
-              <a:rPr lang="en-US" baseline="0" dirty="0" smtClean="0"/>
+              <a:rPr lang="en-US" baseline="0" dirty="0"/>
               <a:t> on method, the filtering can be different. Overall each method can be summarized with a regression to the mean of the data, and using AASHTO guidelines to remove any outlier information. </a:t>
             </a:r>
             <a:endParaRPr lang="en-US" dirty="0"/>
@@ -1404,7 +1405,7 @@
               <a:pPr>
                 <a:defRPr/>
               </a:pPr>
-              <a:t>7</a:t>
+              <a:t>8</a:t>
             </a:fld>
             <a:endParaRPr lang="en-US"/>
           </a:p>
@@ -6077,7 +6078,7 @@
 </file>
 
 <file path=ppt/slides/slide10.xml><?xml version="1.0" encoding="utf-8"?>
-<p:sld xmlns:a="http://schemas.openxmlformats.org/drawingml/2006/main" xmlns:r="http://schemas.openxmlformats.org/officeDocument/2006/relationships" xmlns:p="http://schemas.openxmlformats.org/presentationml/2006/main" show="0">
+<p:sld xmlns:a="http://schemas.openxmlformats.org/drawingml/2006/main" xmlns:r="http://schemas.openxmlformats.org/officeDocument/2006/relationships" xmlns:p="http://schemas.openxmlformats.org/presentationml/2006/main">
   <p:cSld>
     <p:spTree>
       <p:nvGrpSpPr>
@@ -6109,38 +6110,73 @@
           <a:lstStyle/>
           <a:p>
             <a:r>
-              <a:rPr lang="en-US" dirty="0" smtClean="0"/>
-              <a:t>Program of Studies</a:t>
-            </a:r>
-            <a:endParaRPr lang="en-US" dirty="0"/>
-          </a:p>
-        </p:txBody>
-      </p:sp>
-      <p:pic>
-        <p:nvPicPr>
-          <p:cNvPr id="5" name="Content Placeholder 4"/>
-          <p:cNvPicPr>
-            <a:picLocks noGrp="1" noChangeAspect="1"/>
-          </p:cNvPicPr>
+              <a:rPr lang="en-US" dirty="0"/>
+              <a:t>Current Work </a:t>
+            </a:r>
+          </a:p>
+        </p:txBody>
+      </p:sp>
+      <p:sp>
+        <p:nvSpPr>
+          <p:cNvPr id="3" name="Content Placeholder 2"/>
+          <p:cNvSpPr>
+            <a:spLocks noGrp="1"/>
+          </p:cNvSpPr>
           <p:nvPr>
             <p:ph idx="1"/>
           </p:nvPr>
-        </p:nvPicPr>
-        <p:blipFill rotWithShape="1">
-          <a:blip r:embed="rId2"/>
-          <a:srcRect l="15890" b="13431"/>
-          <a:stretch/>
-        </p:blipFill>
+        </p:nvSpPr>
         <p:spPr>
           <a:xfrm>
-            <a:off x="1990166" y="1400175"/>
-            <a:ext cx="4948516" cy="4759699"/>
+            <a:off x="457200" y="1631576"/>
+            <a:ext cx="7812741" cy="3886200"/>
           </a:xfrm>
-          <a:prstGeom prst="rect">
-            <a:avLst/>
-          </a:prstGeom>
-        </p:spPr>
-      </p:pic>
+        </p:spPr>
+        <p:txBody>
+          <a:bodyPr/>
+          <a:lstStyle/>
+          <a:p>
+            <a:r>
+              <a:rPr lang="en-US" dirty="0"/>
+              <a:t>Road Profile Filtering/Smoothing</a:t>
+            </a:r>
+          </a:p>
+          <a:p>
+            <a:pPr lvl="1"/>
+            <a:r>
+              <a:rPr lang="en-US" dirty="0"/>
+              <a:t>Data can come from multiple source</a:t>
+            </a:r>
+          </a:p>
+          <a:p>
+            <a:pPr lvl="2"/>
+            <a:r>
+              <a:rPr lang="en-US" dirty="0"/>
+              <a:t>Satellite scans, GPS, lidar scans</a:t>
+            </a:r>
+          </a:p>
+          <a:p>
+            <a:r>
+              <a:rPr lang="en-US" dirty="0"/>
+              <a:t>Optimization Method for Road Profile</a:t>
+            </a:r>
+          </a:p>
+          <a:p>
+            <a:pPr lvl="1"/>
+            <a:r>
+              <a:rPr lang="en-US" dirty="0"/>
+              <a:t>Selection of the best trajectory dependent on certain vehicle parameters</a:t>
+            </a:r>
+          </a:p>
+          <a:p>
+            <a:pPr lvl="2"/>
+            <a:r>
+              <a:rPr lang="en-US" dirty="0"/>
+              <a:t>Current Velocity, Vehicle dimensions, Street Guidelines. </a:t>
+            </a:r>
+          </a:p>
+        </p:txBody>
+      </p:sp>
       <p:sp>
         <p:nvSpPr>
           <p:cNvPr id="4" name="Slide Number Placeholder 3"/>
@@ -6173,21 +6209,13 @@
     </p:spTree>
     <p:extLst>
       <p:ext uri="{BB962C8B-B14F-4D97-AF65-F5344CB8AC3E}">
-        <p14:creationId xmlns:p14="http://schemas.microsoft.com/office/powerpoint/2010/main" val="4009309414"/>
+        <p14:creationId xmlns:p14="http://schemas.microsoft.com/office/powerpoint/2010/main" val="2364432266"/>
       </p:ext>
     </p:extLst>
   </p:cSld>
   <p:clrMapOvr>
     <a:masterClrMapping/>
   </p:clrMapOvr>
-  <mc:AlternateContent xmlns:mc="http://schemas.openxmlformats.org/markup-compatibility/2006" xmlns:p14="http://schemas.microsoft.com/office/powerpoint/2010/main">
-    <mc:Choice Requires="p14">
-      <p:transition spd="slow" p14:dur="2000"/>
-    </mc:Choice>
-    <mc:Fallback xmlns="">
-      <p:transition spd="slow"/>
-    </mc:Fallback>
-  </mc:AlternateContent>
 </p:sld>
 </file>
 
@@ -6230,6 +6258,31 @@
           </a:p>
         </p:txBody>
       </p:sp>
+      <p:pic>
+        <p:nvPicPr>
+          <p:cNvPr id="5" name="Content Placeholder 4"/>
+          <p:cNvPicPr>
+            <a:picLocks noGrp="1" noChangeAspect="1"/>
+          </p:cNvPicPr>
+          <p:nvPr>
+            <p:ph idx="1"/>
+          </p:nvPr>
+        </p:nvPicPr>
+        <p:blipFill rotWithShape="1">
+          <a:blip r:embed="rId2"/>
+          <a:srcRect l="15890" b="13431"/>
+          <a:stretch/>
+        </p:blipFill>
+        <p:spPr>
+          <a:xfrm>
+            <a:off x="1990166" y="1400175"/>
+            <a:ext cx="4948516" cy="4759699"/>
+          </a:xfrm>
+          <a:prstGeom prst="rect">
+            <a:avLst/>
+          </a:prstGeom>
+        </p:spPr>
+      </p:pic>
       <p:sp>
         <p:nvSpPr>
           <p:cNvPr id="4" name="Slide Number Placeholder 3"/>
@@ -6254,6 +6307,87 @@
                 <a:defRPr/>
               </a:pPr>
               <a:t>11</a:t>
+            </a:fld>
+            <a:endParaRPr lang="en-US"/>
+          </a:p>
+        </p:txBody>
+      </p:sp>
+    </p:spTree>
+    <p:extLst>
+      <p:ext uri="{BB962C8B-B14F-4D97-AF65-F5344CB8AC3E}">
+        <p14:creationId xmlns:p14="http://schemas.microsoft.com/office/powerpoint/2010/main" val="4009309414"/>
+      </p:ext>
+    </p:extLst>
+  </p:cSld>
+  <p:clrMapOvr>
+    <a:masterClrMapping/>
+  </p:clrMapOvr>
+</p:sld>
+</file>
+
+<file path=ppt/slides/slide12.xml><?xml version="1.0" encoding="utf-8"?>
+<p:sld xmlns:a="http://schemas.openxmlformats.org/drawingml/2006/main" xmlns:r="http://schemas.openxmlformats.org/officeDocument/2006/relationships" xmlns:p="http://schemas.openxmlformats.org/presentationml/2006/main" show="0">
+  <p:cSld>
+    <p:spTree>
+      <p:nvGrpSpPr>
+        <p:cNvPr id="1" name=""/>
+        <p:cNvGrpSpPr/>
+        <p:nvPr/>
+      </p:nvGrpSpPr>
+      <p:grpSpPr>
+        <a:xfrm>
+          <a:off x="0" y="0"/>
+          <a:ext cx="0" cy="0"/>
+          <a:chOff x="0" y="0"/>
+          <a:chExt cx="0" cy="0"/>
+        </a:xfrm>
+      </p:grpSpPr>
+      <p:sp>
+        <p:nvSpPr>
+          <p:cNvPr id="2" name="Title 1"/>
+          <p:cNvSpPr>
+            <a:spLocks noGrp="1"/>
+          </p:cNvSpPr>
+          <p:nvPr>
+            <p:ph type="title"/>
+          </p:nvPr>
+        </p:nvSpPr>
+        <p:spPr/>
+        <p:txBody>
+          <a:bodyPr/>
+          <a:lstStyle/>
+          <a:p>
+            <a:r>
+              <a:rPr lang="en-US" dirty="0"/>
+              <a:t>Program of Studies</a:t>
+            </a:r>
+          </a:p>
+        </p:txBody>
+      </p:sp>
+      <p:sp>
+        <p:nvSpPr>
+          <p:cNvPr id="4" name="Slide Number Placeholder 3"/>
+          <p:cNvSpPr>
+            <a:spLocks noGrp="1"/>
+          </p:cNvSpPr>
+          <p:nvPr>
+            <p:ph type="sldNum" sz="quarter" idx="11"/>
+          </p:nvPr>
+        </p:nvSpPr>
+        <p:spPr/>
+        <p:txBody>
+          <a:bodyPr/>
+          <a:lstStyle/>
+          <a:p>
+            <a:pPr>
+              <a:defRPr/>
+            </a:pPr>
+            <a:fld id="{62652FC9-B4A2-484B-A2FC-89D150CA4223}" type="slidenum">
+              <a:rPr lang="en-US" smtClean="0"/>
+              <a:pPr>
+                <a:defRPr/>
+              </a:pPr>
+              <a:t>12</a:t>
             </a:fld>
             <a:endParaRPr lang="en-US"/>
           </a:p>
@@ -6295,14 +6429,6 @@
   <p:clrMapOvr>
     <a:masterClrMapping/>
   </p:clrMapOvr>
-  <mc:AlternateContent xmlns:mc="http://schemas.openxmlformats.org/markup-compatibility/2006" xmlns:p14="http://schemas.microsoft.com/office/powerpoint/2010/main">
-    <mc:Choice Requires="p14">
-      <p:transition spd="slow" p14:dur="2000"/>
-    </mc:Choice>
-    <mc:Fallback xmlns="">
-      <p:transition spd="slow"/>
-    </mc:Fallback>
-  </mc:AlternateContent>
 </p:sld>
 </file>
 
@@ -6373,12 +6499,8 @@
           <a:p>
             <a:pPr eaLnBrk="1" hangingPunct="1"/>
             <a:r>
-              <a:rPr lang="en-US" dirty="0" smtClean="0"/>
-              <a:t>On-Road </a:t>
-            </a:r>
-            <a:r>
               <a:rPr lang="en-US" dirty="0"/>
-              <a:t>Coordinate Decomposition for Autonomous Vehicle (AV) Guidance</a:t>
+              <a:t>On-Road Coordinate Decomposition for Autonomous Vehicle (AV) Guidance</a:t>
             </a:r>
           </a:p>
           <a:p>
@@ -6488,10 +6610,9 @@
           <a:lstStyle/>
           <a:p>
             <a:r>
-              <a:rPr lang="en-US" dirty="0" smtClean="0"/>
+              <a:rPr lang="en-US" dirty="0"/>
               <a:t>Background on AV’s</a:t>
             </a:r>
-            <a:endParaRPr lang="en-US" dirty="0"/>
           </a:p>
         </p:txBody>
       </p:sp>
@@ -6532,8 +6653,8 @@
         </p:nvSpPr>
         <p:spPr>
           <a:xfrm>
-            <a:off x="3111351" y="1544797"/>
-            <a:ext cx="2543769" cy="3416320"/>
+            <a:off x="4677436" y="1599836"/>
+            <a:ext cx="3751528" cy="2949014"/>
           </a:xfrm>
           <a:prstGeom prst="rect">
             <a:avLst/>
@@ -6552,22 +6673,22 @@
           <a:lstStyle/>
           <a:p>
             <a:r>
-              <a:rPr lang="en-US" dirty="0" smtClean="0"/>
+              <a:rPr lang="en-US" dirty="0"/>
               <a:t>Vehicle Only</a:t>
             </a:r>
           </a:p>
           <a:p>
             <a:r>
-              <a:rPr lang="en-US" dirty="0" smtClean="0"/>
+              <a:rPr lang="en-US" dirty="0"/>
               <a:t>Users: Automotive Companies, Research Institutions</a:t>
             </a:r>
           </a:p>
           <a:p>
-            <a:endParaRPr lang="en-US" dirty="0" smtClean="0"/>
-          </a:p>
-          <a:p>
-            <a:r>
-              <a:rPr lang="en-US" dirty="0" smtClean="0"/>
+            <a:endParaRPr lang="en-US" dirty="0"/>
+          </a:p>
+          <a:p>
+            <a:r>
+              <a:rPr lang="en-US" dirty="0"/>
               <a:t>Main Developments:</a:t>
             </a:r>
           </a:p>
@@ -6577,7 +6698,7 @@
               <a:buChar char="•"/>
             </a:pPr>
             <a:r>
-              <a:rPr lang="en-US" dirty="0" smtClean="0"/>
+              <a:rPr lang="en-US" dirty="0"/>
               <a:t>Vehicle Sensors</a:t>
             </a:r>
           </a:p>
@@ -6587,13 +6708,13 @@
               <a:buChar char="•"/>
             </a:pPr>
             <a:r>
-              <a:rPr lang="en-US" dirty="0" smtClean="0"/>
+              <a:rPr lang="en-US" dirty="0"/>
               <a:t>Dynamic Controllers</a:t>
             </a:r>
           </a:p>
           <a:p>
             <a:r>
-              <a:rPr lang="en-US" dirty="0" smtClean="0"/>
+              <a:rPr lang="en-US" dirty="0"/>
               <a:t>Main Shortcuts:</a:t>
             </a:r>
           </a:p>
@@ -6603,7 +6724,7 @@
               <a:buChar char="•"/>
             </a:pPr>
             <a:r>
-              <a:rPr lang="en-US" dirty="0" smtClean="0"/>
+              <a:rPr lang="en-US" dirty="0"/>
               <a:t>Highly sensitive to visible environment inputs  </a:t>
             </a:r>
           </a:p>
@@ -6611,14 +6732,14 @@
       </p:sp>
       <p:sp>
         <p:nvSpPr>
-          <p:cNvPr id="7" name="TextBox 6"/>
+          <p:cNvPr id="8" name="TextBox 7"/>
           <p:cNvSpPr txBox="1"/>
           <p:nvPr/>
         </p:nvSpPr>
         <p:spPr>
           <a:xfrm>
-            <a:off x="5927464" y="1534954"/>
-            <a:ext cx="2926080" cy="3970318"/>
+            <a:off x="554253" y="1599836"/>
+            <a:ext cx="3531609" cy="2862322"/>
           </a:xfrm>
           <a:prstGeom prst="rect">
             <a:avLst/>
@@ -6637,26 +6758,23 @@
           <a:lstStyle/>
           <a:p>
             <a:r>
-              <a:rPr lang="en-US" dirty="0" smtClean="0"/>
-              <a:t>Hybrid Systems</a:t>
-            </a:r>
-          </a:p>
-          <a:p>
-            <a:r>
-              <a:rPr lang="en-US" dirty="0" smtClean="0"/>
+              <a:rPr lang="en-US" dirty="0"/>
+              <a:t>Infrastructure Only</a:t>
+            </a:r>
+          </a:p>
+          <a:p>
+            <a:r>
+              <a:rPr lang="en-US" dirty="0"/>
+              <a:t>Users: Department of Transportation, Research Institutions</a:t>
+            </a:r>
+          </a:p>
+          <a:p>
+            <a:endParaRPr lang="en-US" dirty="0"/>
+          </a:p>
+          <a:p>
+            <a:r>
+              <a:rPr lang="en-US" dirty="0"/>
               <a:t>Main Developments:</a:t>
-            </a:r>
-          </a:p>
-          <a:p>
-            <a:r>
-              <a:rPr lang="en-US" dirty="0" smtClean="0"/>
-              <a:t>Infrastructure Communication Systems (V2I technology)</a:t>
-            </a:r>
-          </a:p>
-          <a:p>
-            <a:r>
-              <a:rPr lang="en-US" dirty="0" smtClean="0"/>
-              <a:t>Examples:</a:t>
             </a:r>
           </a:p>
           <a:p>
@@ -6665,8 +6783,8 @@
               <a:buChar char="•"/>
             </a:pPr>
             <a:r>
-              <a:rPr lang="en-US" dirty="0" smtClean="0"/>
-              <a:t>Traffic Lights</a:t>
+              <a:rPr lang="en-US" dirty="0"/>
+              <a:t>Passive Warning Systems</a:t>
             </a:r>
           </a:p>
           <a:p>
@@ -6675,8 +6793,14 @@
               <a:buChar char="•"/>
             </a:pPr>
             <a:r>
-              <a:rPr lang="en-US" dirty="0" smtClean="0"/>
-              <a:t>Speed Limits </a:t>
+              <a:rPr lang="en-US" dirty="0"/>
+              <a:t>Roadside Data Storage</a:t>
+            </a:r>
+          </a:p>
+          <a:p>
+            <a:r>
+              <a:rPr lang="en-US" dirty="0"/>
+              <a:t>Main Shortcuts</a:t>
             </a:r>
           </a:p>
           <a:p>
@@ -6685,141 +6809,28 @@
               <a:buChar char="•"/>
             </a:pPr>
             <a:r>
-              <a:rPr lang="en-US" dirty="0" smtClean="0"/>
-              <a:t>Traffic Congestions</a:t>
-            </a:r>
-          </a:p>
-          <a:p>
-            <a:r>
-              <a:rPr lang="en-US" dirty="0" smtClean="0"/>
-              <a:t>Main Shortcuts:</a:t>
-            </a:r>
-          </a:p>
-          <a:p>
-            <a:pPr marL="285750" indent="-285750">
-              <a:buFont typeface="Arial" panose="020B0604020202020204" pitchFamily="34" charset="0"/>
-              <a:buChar char="•"/>
-            </a:pPr>
-            <a:r>
-              <a:rPr lang="en-US" dirty="0" smtClean="0"/>
-              <a:t>Limited to </a:t>
-            </a:r>
-            <a:r>
               <a:rPr lang="en-US" dirty="0"/>
-              <a:t>s</a:t>
-            </a:r>
-            <a:r>
-              <a:rPr lang="en-US" dirty="0" smtClean="0"/>
-              <a:t>low speed, and highly concentrated areas </a:t>
-            </a:r>
-          </a:p>
-          <a:p>
-            <a:pPr marL="285750" indent="-285750">
-              <a:buFont typeface="Arial" panose="020B0604020202020204" pitchFamily="34" charset="0"/>
-              <a:buChar char="•"/>
-            </a:pPr>
-            <a:r>
-              <a:rPr lang="en-US" dirty="0" smtClean="0"/>
-              <a:t>Inefficient data usage</a:t>
-            </a:r>
-          </a:p>
-        </p:txBody>
-      </p:sp>
-      <p:sp>
-        <p:nvSpPr>
-          <p:cNvPr id="8" name="TextBox 7"/>
+              <a:t>No vehicle interaction </a:t>
+            </a:r>
+          </a:p>
+        </p:txBody>
+      </p:sp>
+      <p:sp>
+        <p:nvSpPr>
+          <p:cNvPr id="11" name="TextBox 10">
+            <a:extLst>
+              <a:ext uri="{FF2B5EF4-FFF2-40B4-BE49-F238E27FC236}">
+                <a16:creationId xmlns:a16="http://schemas.microsoft.com/office/drawing/2014/main" id="{A9681831-16C4-4C52-9423-ABAEA84DEAE3}"/>
+              </a:ext>
+            </a:extLst>
+          </p:cNvPr>
           <p:cNvSpPr txBox="1"/>
           <p:nvPr/>
         </p:nvSpPr>
         <p:spPr>
           <a:xfrm>
-            <a:off x="338866" y="1544797"/>
-            <a:ext cx="2500141" cy="3693319"/>
-          </a:xfrm>
-          <a:prstGeom prst="rect">
-            <a:avLst/>
-          </a:prstGeom>
-          <a:noFill/>
-          <a:ln>
-            <a:solidFill>
-              <a:schemeClr val="tx1"/>
-            </a:solidFill>
-          </a:ln>
-        </p:spPr>
-        <p:txBody>
-          <a:bodyPr wrap="square" rtlCol="0">
-            <a:spAutoFit/>
-          </a:bodyPr>
-          <a:lstStyle/>
-          <a:p>
-            <a:r>
-              <a:rPr lang="en-US" dirty="0" smtClean="0"/>
-              <a:t>Infrastructure Only</a:t>
-            </a:r>
-          </a:p>
-          <a:p>
-            <a:r>
-              <a:rPr lang="en-US" dirty="0" smtClean="0"/>
-              <a:t>Users: Department of Transportation, Research Institutions</a:t>
-            </a:r>
-          </a:p>
-          <a:p>
-            <a:endParaRPr lang="en-US" dirty="0" smtClean="0"/>
-          </a:p>
-          <a:p>
-            <a:r>
-              <a:rPr lang="en-US" dirty="0" smtClean="0"/>
-              <a:t>Main Developments:</a:t>
-            </a:r>
-          </a:p>
-          <a:p>
-            <a:pPr marL="285750" indent="-285750">
-              <a:buFont typeface="Arial" panose="020B0604020202020204" pitchFamily="34" charset="0"/>
-              <a:buChar char="•"/>
-            </a:pPr>
-            <a:r>
-              <a:rPr lang="en-US" dirty="0" smtClean="0"/>
-              <a:t>Passive Warning Systems</a:t>
-            </a:r>
-          </a:p>
-          <a:p>
-            <a:pPr marL="285750" indent="-285750">
-              <a:buFont typeface="Arial" panose="020B0604020202020204" pitchFamily="34" charset="0"/>
-              <a:buChar char="•"/>
-            </a:pPr>
-            <a:r>
-              <a:rPr lang="en-US" dirty="0" smtClean="0"/>
-              <a:t>Roadside Data Storage</a:t>
-            </a:r>
-          </a:p>
-          <a:p>
-            <a:r>
-              <a:rPr lang="en-US" dirty="0" smtClean="0"/>
-              <a:t>Main Shortcuts</a:t>
-            </a:r>
-          </a:p>
-          <a:p>
-            <a:pPr marL="285750" indent="-285750">
-              <a:buFont typeface="Arial" panose="020B0604020202020204" pitchFamily="34" charset="0"/>
-              <a:buChar char="•"/>
-            </a:pPr>
-            <a:r>
-              <a:rPr lang="en-US" dirty="0" smtClean="0"/>
-              <a:t>No vehicle interaction </a:t>
-            </a:r>
-          </a:p>
-        </p:txBody>
-      </p:sp>
-      <p:sp>
-        <p:nvSpPr>
-          <p:cNvPr id="13" name="TextBox 12"/>
-          <p:cNvSpPr txBox="1"/>
-          <p:nvPr/>
-        </p:nvSpPr>
-        <p:spPr>
-          <a:xfrm>
-            <a:off x="1764254" y="5637007"/>
-            <a:ext cx="6067313" cy="923330"/>
+            <a:off x="3262766" y="6001831"/>
+            <a:ext cx="2327805" cy="461665"/>
           </a:xfrm>
           <a:prstGeom prst="rect">
             <a:avLst/>
@@ -6838,10 +6849,147 @@
           <a:lstStyle/>
           <a:p>
             <a:r>
-              <a:rPr lang="en-US" dirty="0" smtClean="0"/>
-              <a:t>Research Question: How to improve the efficiency on hybrid systems, taking advantage of both vehicle information and infrastructure information?</a:t>
-            </a:r>
-            <a:endParaRPr lang="en-US" dirty="0"/>
+              <a:rPr lang="en-US" sz="2400" dirty="0"/>
+              <a:t>Hybrid Systems</a:t>
+            </a:r>
+          </a:p>
+        </p:txBody>
+      </p:sp>
+      <p:sp>
+        <p:nvSpPr>
+          <p:cNvPr id="10" name="Arrow: Down 9">
+            <a:extLst>
+              <a:ext uri="{FF2B5EF4-FFF2-40B4-BE49-F238E27FC236}">
+                <a16:creationId xmlns:a16="http://schemas.microsoft.com/office/drawing/2014/main" id="{176FE843-E991-4530-9511-AE5382BFEC7E}"/>
+              </a:ext>
+            </a:extLst>
+          </p:cNvPr>
+          <p:cNvSpPr/>
+          <p:nvPr/>
+        </p:nvSpPr>
+        <p:spPr bwMode="auto">
+          <a:xfrm rot="19338816">
+            <a:off x="2782338" y="4696606"/>
+            <a:ext cx="763930" cy="1157469"/>
+          </a:xfrm>
+          <a:prstGeom prst="downArrow">
+            <a:avLst/>
+          </a:prstGeom>
+          <a:solidFill>
+            <a:schemeClr val="accent1"/>
+          </a:solidFill>
+          <a:ln w="28575" cap="flat" cmpd="sng" algn="ctr">
+            <a:noFill/>
+            <a:prstDash val="solid"/>
+            <a:round/>
+            <a:headEnd type="none" w="med" len="med"/>
+            <a:tailEnd type="none" w="med" len="med"/>
+          </a:ln>
+          <a:effectLst/>
+        </p:spPr>
+        <p:txBody>
+          <a:bodyPr vert="horz" wrap="square" lIns="91440" tIns="45720" rIns="91440" bIns="45720" numCol="1" rtlCol="0" anchor="t" anchorCtr="0" compatLnSpc="1">
+            <a:prstTxWarp prst="textNoShape">
+              <a:avLst/>
+            </a:prstTxWarp>
+          </a:bodyPr>
+          <a:lstStyle/>
+          <a:p>
+            <a:pPr marL="0" marR="0" indent="0" algn="l" defTabSz="914400" rtl="0" eaLnBrk="0" fontAlgn="base" latinLnBrk="0" hangingPunct="0">
+              <a:lnSpc>
+                <a:spcPct val="100000"/>
+              </a:lnSpc>
+              <a:spcBef>
+                <a:spcPct val="0"/>
+              </a:spcBef>
+              <a:spcAft>
+                <a:spcPct val="0"/>
+              </a:spcAft>
+              <a:buClrTx/>
+              <a:buSzTx/>
+              <a:buFontTx/>
+              <a:buNone/>
+              <a:tabLst/>
+            </a:pPr>
+            <a:endParaRPr kumimoji="0" lang="en-US" sz="1800" b="0" i="0" u="none" strike="noStrike" cap="none" normalizeH="0" baseline="0">
+              <a:ln>
+                <a:noFill/>
+              </a:ln>
+              <a:solidFill>
+                <a:schemeClr val="tx1"/>
+              </a:solidFill>
+              <a:effectLst/>
+              <a:latin typeface="Arial" charset="0"/>
+            </a:endParaRPr>
+          </a:p>
+        </p:txBody>
+      </p:sp>
+      <p:sp>
+        <p:nvSpPr>
+          <p:cNvPr id="14" name="Arrow: Down 13">
+            <a:extLst>
+              <a:ext uri="{FF2B5EF4-FFF2-40B4-BE49-F238E27FC236}">
+                <a16:creationId xmlns:a16="http://schemas.microsoft.com/office/drawing/2014/main" id="{8A622E84-00A8-493C-BC27-6D1CC4A59BC8}"/>
+              </a:ext>
+            </a:extLst>
+          </p:cNvPr>
+          <p:cNvSpPr/>
+          <p:nvPr/>
+        </p:nvSpPr>
+        <p:spPr bwMode="auto">
+          <a:xfrm rot="1362221">
+            <a:off x="5517395" y="4651431"/>
+            <a:ext cx="763930" cy="1157469"/>
+          </a:xfrm>
+          <a:prstGeom prst="downArrow">
+            <a:avLst/>
+          </a:prstGeom>
+          <a:solidFill>
+            <a:schemeClr val="accent1"/>
+          </a:solidFill>
+          <a:ln w="28575" cap="flat" cmpd="sng" algn="ctr">
+            <a:noFill/>
+            <a:prstDash val="solid"/>
+            <a:round/>
+            <a:headEnd type="none" w="med" len="med"/>
+            <a:tailEnd type="none" w="med" len="med"/>
+          </a:ln>
+          <a:effectLst/>
+        </p:spPr>
+        <p:txBody>
+          <a:bodyPr vert="horz" wrap="square" lIns="91440" tIns="45720" rIns="91440" bIns="45720" numCol="1" rtlCol="0" anchor="t" anchorCtr="0" compatLnSpc="1">
+            <a:prstTxWarp prst="textNoShape">
+              <a:avLst/>
+            </a:prstTxWarp>
+          </a:bodyPr>
+          <a:lstStyle/>
+          <a:p>
+            <a:pPr marL="0" marR="0" indent="0" algn="l" defTabSz="914400" rtl="0" eaLnBrk="0" fontAlgn="base" latinLnBrk="0" hangingPunct="0">
+              <a:lnSpc>
+                <a:spcPct val="100000"/>
+              </a:lnSpc>
+              <a:spcBef>
+                <a:spcPct val="0"/>
+              </a:spcBef>
+              <a:spcAft>
+                <a:spcPct val="0"/>
+              </a:spcAft>
+              <a:buClrTx/>
+              <a:buSzTx/>
+              <a:buFontTx/>
+              <a:buNone/>
+              <a:tabLst/>
+            </a:pPr>
+            <a:endParaRPr kumimoji="0" lang="en-US" sz="1800" b="0" i="0" u="none" strike="noStrike" cap="none" normalizeH="0" baseline="0">
+              <a:ln>
+                <a:noFill/>
+              </a:ln>
+              <a:solidFill>
+                <a:schemeClr val="tx1"/>
+              </a:solidFill>
+              <a:effectLst/>
+              <a:latin typeface="Arial" charset="0"/>
+            </a:endParaRPr>
           </a:p>
         </p:txBody>
       </p:sp>
@@ -6877,7 +7025,13 @@
       </p:grpSpPr>
       <p:sp>
         <p:nvSpPr>
-          <p:cNvPr id="2" name="Title 1"/>
+          <p:cNvPr id="2" name="Title 1">
+            <a:extLst>
+              <a:ext uri="{FF2B5EF4-FFF2-40B4-BE49-F238E27FC236}">
+                <a16:creationId xmlns:a16="http://schemas.microsoft.com/office/drawing/2014/main" id="{D1F6CB90-04DB-49FE-BA29-61E16CCF101C}"/>
+              </a:ext>
+            </a:extLst>
+          </p:cNvPr>
           <p:cNvSpPr>
             <a:spLocks noGrp="1"/>
           </p:cNvSpPr>
@@ -6891,89 +7045,21 @@
           <a:lstStyle/>
           <a:p>
             <a:r>
-              <a:rPr lang="en-US" dirty="0" smtClean="0"/>
-              <a:t>Research Goals</a:t>
-            </a:r>
-            <a:endParaRPr lang="en-US" dirty="0"/>
-          </a:p>
-        </p:txBody>
-      </p:sp>
-      <p:sp>
-        <p:nvSpPr>
-          <p:cNvPr id="3" name="Content Placeholder 2"/>
-          <p:cNvSpPr>
-            <a:spLocks noGrp="1"/>
-          </p:cNvSpPr>
-          <p:nvPr>
-            <p:ph idx="1"/>
-          </p:nvPr>
-        </p:nvSpPr>
-        <p:spPr>
-          <a:xfrm>
-            <a:off x="457200" y="1564340"/>
-            <a:ext cx="8229600" cy="4589033"/>
-          </a:xfrm>
-        </p:spPr>
-        <p:txBody>
-          <a:bodyPr/>
-          <a:lstStyle/>
-          <a:p>
-            <a:r>
               <a:rPr lang="en-US" dirty="0"/>
-              <a:t>A complete method to generate road </a:t>
-            </a:r>
-            <a:r>
-              <a:rPr lang="en-US" dirty="0" smtClean="0"/>
-              <a:t>profiles with the following characteristics:</a:t>
-            </a:r>
-          </a:p>
-          <a:p>
-            <a:pPr lvl="1"/>
-            <a:r>
-              <a:rPr lang="en-US" dirty="0" smtClean="0"/>
-              <a:t>Independent of data sources</a:t>
-            </a:r>
-          </a:p>
-          <a:p>
-            <a:pPr lvl="2"/>
-            <a:r>
-              <a:rPr lang="en-US" dirty="0" smtClean="0"/>
-              <a:t>Can be generated from more than one data collection method</a:t>
-            </a:r>
-          </a:p>
-          <a:p>
-            <a:pPr lvl="1"/>
-            <a:r>
-              <a:rPr lang="en-US" dirty="0" smtClean="0"/>
-              <a:t>Independent of most vehicle types</a:t>
-            </a:r>
-          </a:p>
-          <a:p>
-            <a:pPr lvl="2"/>
-            <a:r>
-              <a:rPr lang="en-US" dirty="0" smtClean="0"/>
-              <a:t>Some vehicles are not considered, for example Cargo Trucks, or Double Semi Trucks</a:t>
-            </a:r>
-          </a:p>
-          <a:p>
-            <a:pPr lvl="1"/>
-            <a:r>
-              <a:rPr lang="en-US" dirty="0" smtClean="0"/>
-              <a:t>Independent of sensor input</a:t>
-            </a:r>
-          </a:p>
-          <a:p>
-            <a:pPr lvl="2"/>
-            <a:r>
-              <a:rPr lang="en-US" dirty="0" smtClean="0"/>
-              <a:t>Useful under low visibility conditions such as rain or snow </a:t>
-            </a:r>
-          </a:p>
-        </p:txBody>
-      </p:sp>
-      <p:sp>
-        <p:nvSpPr>
-          <p:cNvPr id="4" name="Slide Number Placeholder 3"/>
+              <a:t>Background on AV’s</a:t>
+            </a:r>
+          </a:p>
+        </p:txBody>
+      </p:sp>
+      <p:sp>
+        <p:nvSpPr>
+          <p:cNvPr id="4" name="Slide Number Placeholder 3">
+            <a:extLst>
+              <a:ext uri="{FF2B5EF4-FFF2-40B4-BE49-F238E27FC236}">
+                <a16:creationId xmlns:a16="http://schemas.microsoft.com/office/drawing/2014/main" id="{54C8E4E1-DC50-4DF0-8245-05D09CB94859}"/>
+              </a:ext>
+            </a:extLst>
+          </p:cNvPr>
           <p:cNvSpPr>
             <a:spLocks noGrp="1"/>
           </p:cNvSpPr>
@@ -7000,10 +7086,128 @@
           </a:p>
         </p:txBody>
       </p:sp>
+      <p:sp>
+        <p:nvSpPr>
+          <p:cNvPr id="7" name="TextBox 6">
+            <a:extLst>
+              <a:ext uri="{FF2B5EF4-FFF2-40B4-BE49-F238E27FC236}">
+                <a16:creationId xmlns:a16="http://schemas.microsoft.com/office/drawing/2014/main" id="{D252E655-E906-435C-AB9E-033B66925DE2}"/>
+              </a:ext>
+            </a:extLst>
+          </p:cNvPr>
+          <p:cNvSpPr txBox="1"/>
+          <p:nvPr/>
+        </p:nvSpPr>
+        <p:spPr>
+          <a:xfrm>
+            <a:off x="1217589" y="5575937"/>
+            <a:ext cx="6708822" cy="923330"/>
+          </a:xfrm>
+          <a:prstGeom prst="rect">
+            <a:avLst/>
+          </a:prstGeom>
+          <a:noFill/>
+          <a:ln>
+            <a:solidFill>
+              <a:schemeClr val="accent1"/>
+            </a:solidFill>
+          </a:ln>
+        </p:spPr>
+        <p:txBody>
+          <a:bodyPr wrap="square" rtlCol="0">
+            <a:spAutoFit/>
+          </a:bodyPr>
+          <a:lstStyle/>
+          <a:p>
+            <a:r>
+              <a:rPr lang="en-US" dirty="0"/>
+              <a:t>Research Question: How to improve the efficiency on hybrid systems, taking advantage of both vehicle information and infrastructure information?</a:t>
+            </a:r>
+          </a:p>
+        </p:txBody>
+      </p:sp>
+      <p:sp>
+        <p:nvSpPr>
+          <p:cNvPr id="8" name="Content Placeholder 2">
+            <a:extLst>
+              <a:ext uri="{FF2B5EF4-FFF2-40B4-BE49-F238E27FC236}">
+                <a16:creationId xmlns:a16="http://schemas.microsoft.com/office/drawing/2014/main" id="{D7C1B67E-A364-47B0-805D-6464F7FA7644}"/>
+              </a:ext>
+            </a:extLst>
+          </p:cNvPr>
+          <p:cNvSpPr>
+            <a:spLocks noGrp="1"/>
+          </p:cNvSpPr>
+          <p:nvPr>
+            <p:ph idx="1"/>
+          </p:nvPr>
+        </p:nvSpPr>
+        <p:spPr>
+          <a:xfrm>
+            <a:off x="457200" y="1400175"/>
+            <a:ext cx="8814122" cy="4637427"/>
+          </a:xfrm>
+        </p:spPr>
+        <p:txBody>
+          <a:bodyPr/>
+          <a:lstStyle/>
+          <a:p>
+            <a:r>
+              <a:rPr lang="en-US" dirty="0"/>
+              <a:t>Hybrid Systems</a:t>
+            </a:r>
+          </a:p>
+          <a:p>
+            <a:pPr lvl="1"/>
+            <a:r>
+              <a:rPr lang="en-US" dirty="0"/>
+              <a:t>Main Developments:</a:t>
+            </a:r>
+          </a:p>
+          <a:p>
+            <a:pPr lvl="2"/>
+            <a:r>
+              <a:rPr lang="en-US" dirty="0"/>
+              <a:t>Infrastructure Communication Systems (V2I technology)</a:t>
+            </a:r>
+          </a:p>
+          <a:p>
+            <a:pPr lvl="2"/>
+            <a:r>
+              <a:rPr lang="en-US" dirty="0"/>
+              <a:t>Examples: Traffic Lights, Speed Limits, Traffic Congestions</a:t>
+            </a:r>
+          </a:p>
+          <a:p>
+            <a:pPr lvl="1"/>
+            <a:r>
+              <a:rPr lang="en-US" dirty="0"/>
+              <a:t>Main Shortcuts:</a:t>
+            </a:r>
+          </a:p>
+          <a:p>
+            <a:pPr lvl="2"/>
+            <a:r>
+              <a:rPr lang="en-US" dirty="0"/>
+              <a:t>Limited to slow speed, and highly concentrated areas </a:t>
+            </a:r>
+          </a:p>
+          <a:p>
+            <a:pPr lvl="2"/>
+            <a:r>
+              <a:rPr lang="en-US" dirty="0"/>
+              <a:t>Inefficient data usage</a:t>
+            </a:r>
+          </a:p>
+          <a:p>
+            <a:endParaRPr lang="en-US" dirty="0"/>
+          </a:p>
+        </p:txBody>
+      </p:sp>
     </p:spTree>
     <p:extLst>
       <p:ext uri="{BB962C8B-B14F-4D97-AF65-F5344CB8AC3E}">
-        <p14:creationId xmlns:p14="http://schemas.microsoft.com/office/powerpoint/2010/main" val="3361069170"/>
+        <p14:creationId xmlns:p14="http://schemas.microsoft.com/office/powerpoint/2010/main" val="1036923522"/>
       </p:ext>
     </p:extLst>
   </p:cSld>
@@ -7047,7 +7251,7 @@
           <a:p>
             <a:r>
               <a:rPr lang="en-US" dirty="0"/>
-              <a:t>Previous Work</a:t>
+              <a:t>Research Goals</a:t>
             </a:r>
           </a:p>
         </p:txBody>
@@ -7064,8 +7268,8 @@
         </p:nvSpPr>
         <p:spPr>
           <a:xfrm>
-            <a:off x="457200" y="1400175"/>
-            <a:ext cx="8229600" cy="5087470"/>
+            <a:off x="457200" y="1564340"/>
+            <a:ext cx="8229600" cy="4589033"/>
           </a:xfrm>
         </p:spPr>
         <p:txBody>
@@ -7074,92 +7278,50 @@
           <a:p>
             <a:r>
               <a:rPr lang="en-US" dirty="0"/>
-              <a:t>Phase I: Literature </a:t>
-            </a:r>
-            <a:r>
-              <a:rPr lang="en-US" dirty="0" smtClean="0"/>
-              <a:t>Review</a:t>
-            </a:r>
-            <a:endParaRPr lang="en-US" dirty="0"/>
+              <a:t>A complete method to generate road profiles with the following characteristics:</a:t>
+            </a:r>
           </a:p>
           <a:p>
             <a:pPr lvl="1"/>
             <a:r>
               <a:rPr lang="en-US" dirty="0"/>
-              <a:t>Investigation on current AV </a:t>
-            </a:r>
-            <a:r>
-              <a:rPr lang="en-US" dirty="0" smtClean="0"/>
-              <a:t>technology</a:t>
+              <a:t>Independent of data sources</a:t>
             </a:r>
           </a:p>
           <a:p>
             <a:pPr lvl="2"/>
             <a:r>
-              <a:rPr lang="en-US" dirty="0" smtClean="0"/>
-              <a:t>Review current technology</a:t>
+              <a:rPr lang="en-US" dirty="0"/>
+              <a:t>Can be generated from more than one data collection method</a:t>
+            </a:r>
+          </a:p>
+          <a:p>
+            <a:pPr lvl="1"/>
+            <a:r>
+              <a:rPr lang="en-US" dirty="0"/>
+              <a:t>Independent of most vehicle types</a:t>
             </a:r>
           </a:p>
           <a:p>
             <a:pPr lvl="2"/>
             <a:r>
-              <a:rPr lang="en-US" dirty="0" smtClean="0"/>
-              <a:t>Finding main limitations</a:t>
+              <a:rPr lang="en-US" dirty="0"/>
+              <a:t>Some vehicles are not considered, for example Cargo Trucks, or Double Semi Trucks</a:t>
+            </a:r>
+          </a:p>
+          <a:p>
+            <a:pPr lvl="1"/>
+            <a:r>
+              <a:rPr lang="en-US" dirty="0"/>
+              <a:t>Independent of sensor input</a:t>
             </a:r>
           </a:p>
           <a:p>
             <a:pPr lvl="2"/>
             <a:r>
-              <a:rPr lang="en-US" dirty="0" smtClean="0"/>
-              <a:t>Method brainstorming</a:t>
-            </a:r>
-            <a:endParaRPr lang="en-US" dirty="0"/>
-          </a:p>
-          <a:p>
-            <a:r>
               <a:rPr lang="en-US" dirty="0"/>
-              <a:t>Phase II: </a:t>
-            </a:r>
-            <a:r>
-              <a:rPr lang="en-US" dirty="0" smtClean="0"/>
-              <a:t>Smart Barrier Methodology   </a:t>
-            </a:r>
-          </a:p>
-          <a:p>
-            <a:pPr lvl="1"/>
-            <a:r>
-              <a:rPr lang="en-US" dirty="0" smtClean="0"/>
-              <a:t>Obtained a framework in which the road profile can be utilized</a:t>
-            </a:r>
-          </a:p>
-          <a:p>
-            <a:pPr lvl="1"/>
-            <a:r>
-              <a:rPr lang="en-US" dirty="0" smtClean="0"/>
-              <a:t>Road </a:t>
-            </a:r>
-            <a:r>
-              <a:rPr lang="en-US" dirty="0"/>
-              <a:t>Profile Generation Framework</a:t>
-            </a:r>
-          </a:p>
-          <a:p>
-            <a:pPr lvl="2"/>
-            <a:r>
-              <a:rPr lang="en-US" dirty="0"/>
-              <a:t>How to formulate road profiles</a:t>
-            </a:r>
-          </a:p>
-          <a:p>
-            <a:pPr lvl="2"/>
-            <a:r>
-              <a:rPr lang="en-US" dirty="0"/>
-              <a:t>How to implement with current infrastructure</a:t>
-            </a:r>
-          </a:p>
-          <a:p>
-            <a:pPr lvl="1"/>
-            <a:endParaRPr lang="en-US" dirty="0"/>
+              <a:t>Useful under low visibility conditions such as rain or snow </a:t>
+            </a:r>
           </a:p>
         </p:txBody>
       </p:sp>
@@ -7195,6 +7357,180 @@
     </p:spTree>
     <p:extLst>
       <p:ext uri="{BB962C8B-B14F-4D97-AF65-F5344CB8AC3E}">
+        <p14:creationId xmlns:p14="http://schemas.microsoft.com/office/powerpoint/2010/main" val="3361069170"/>
+      </p:ext>
+    </p:extLst>
+  </p:cSld>
+  <p:clrMapOvr>
+    <a:masterClrMapping/>
+  </p:clrMapOvr>
+</p:sld>
+</file>
+
+<file path=ppt/slides/slide6.xml><?xml version="1.0" encoding="utf-8"?>
+<p:sld xmlns:a="http://schemas.openxmlformats.org/drawingml/2006/main" xmlns:r="http://schemas.openxmlformats.org/officeDocument/2006/relationships" xmlns:p="http://schemas.openxmlformats.org/presentationml/2006/main">
+  <p:cSld>
+    <p:spTree>
+      <p:nvGrpSpPr>
+        <p:cNvPr id="1" name=""/>
+        <p:cNvGrpSpPr/>
+        <p:nvPr/>
+      </p:nvGrpSpPr>
+      <p:grpSpPr>
+        <a:xfrm>
+          <a:off x="0" y="0"/>
+          <a:ext cx="0" cy="0"/>
+          <a:chOff x="0" y="0"/>
+          <a:chExt cx="0" cy="0"/>
+        </a:xfrm>
+      </p:grpSpPr>
+      <p:sp>
+        <p:nvSpPr>
+          <p:cNvPr id="2" name="Title 1"/>
+          <p:cNvSpPr>
+            <a:spLocks noGrp="1"/>
+          </p:cNvSpPr>
+          <p:nvPr>
+            <p:ph type="title"/>
+          </p:nvPr>
+        </p:nvSpPr>
+        <p:spPr/>
+        <p:txBody>
+          <a:bodyPr/>
+          <a:lstStyle/>
+          <a:p>
+            <a:r>
+              <a:rPr lang="en-US" dirty="0"/>
+              <a:t>Previous Work</a:t>
+            </a:r>
+          </a:p>
+        </p:txBody>
+      </p:sp>
+      <p:sp>
+        <p:nvSpPr>
+          <p:cNvPr id="3" name="Content Placeholder 2"/>
+          <p:cNvSpPr>
+            <a:spLocks noGrp="1"/>
+          </p:cNvSpPr>
+          <p:nvPr>
+            <p:ph idx="1"/>
+          </p:nvPr>
+        </p:nvSpPr>
+        <p:spPr>
+          <a:xfrm>
+            <a:off x="457200" y="1400175"/>
+            <a:ext cx="8229600" cy="5087470"/>
+          </a:xfrm>
+        </p:spPr>
+        <p:txBody>
+          <a:bodyPr/>
+          <a:lstStyle/>
+          <a:p>
+            <a:r>
+              <a:rPr lang="en-US" dirty="0"/>
+              <a:t>Phase I: Literature Review</a:t>
+            </a:r>
+          </a:p>
+          <a:p>
+            <a:pPr lvl="1"/>
+            <a:r>
+              <a:rPr lang="en-US" dirty="0"/>
+              <a:t>Investigation on current AV technology</a:t>
+            </a:r>
+          </a:p>
+          <a:p>
+            <a:pPr lvl="2"/>
+            <a:r>
+              <a:rPr lang="en-US" dirty="0"/>
+              <a:t>Review current technology</a:t>
+            </a:r>
+          </a:p>
+          <a:p>
+            <a:pPr lvl="2"/>
+            <a:r>
+              <a:rPr lang="en-US" dirty="0"/>
+              <a:t>Finding main limitations</a:t>
+            </a:r>
+          </a:p>
+          <a:p>
+            <a:pPr lvl="2"/>
+            <a:r>
+              <a:rPr lang="en-US" dirty="0"/>
+              <a:t>Method brainstorming</a:t>
+            </a:r>
+          </a:p>
+          <a:p>
+            <a:r>
+              <a:rPr lang="en-US" dirty="0"/>
+              <a:t>Phase II: Smart Barrier Methodology   </a:t>
+            </a:r>
+          </a:p>
+          <a:p>
+            <a:pPr lvl="1"/>
+            <a:r>
+              <a:rPr lang="en-US" dirty="0"/>
+              <a:t>Obtained a framework in which the road profile can be utilized</a:t>
+            </a:r>
+          </a:p>
+          <a:p>
+            <a:pPr lvl="1"/>
+            <a:r>
+              <a:rPr lang="en-US" dirty="0"/>
+              <a:t>Road Profile Generation Framework</a:t>
+            </a:r>
+          </a:p>
+          <a:p>
+            <a:pPr lvl="2"/>
+            <a:r>
+              <a:rPr lang="en-US" dirty="0"/>
+              <a:t>How to formulate road profiles</a:t>
+            </a:r>
+          </a:p>
+          <a:p>
+            <a:pPr lvl="2"/>
+            <a:r>
+              <a:rPr lang="en-US" dirty="0"/>
+              <a:t>How to implement with current infrastructure</a:t>
+            </a:r>
+          </a:p>
+          <a:p>
+            <a:pPr lvl="1"/>
+            <a:endParaRPr lang="en-US" dirty="0"/>
+          </a:p>
+        </p:txBody>
+      </p:sp>
+      <p:sp>
+        <p:nvSpPr>
+          <p:cNvPr id="4" name="Slide Number Placeholder 3"/>
+          <p:cNvSpPr>
+            <a:spLocks noGrp="1"/>
+          </p:cNvSpPr>
+          <p:nvPr>
+            <p:ph type="sldNum" sz="quarter" idx="11"/>
+          </p:nvPr>
+        </p:nvSpPr>
+        <p:spPr/>
+        <p:txBody>
+          <a:bodyPr/>
+          <a:lstStyle/>
+          <a:p>
+            <a:pPr>
+              <a:defRPr/>
+            </a:pPr>
+            <a:fld id="{62652FC9-B4A2-484B-A2FC-89D150CA4223}" type="slidenum">
+              <a:rPr lang="en-US" smtClean="0"/>
+              <a:pPr>
+                <a:defRPr/>
+              </a:pPr>
+              <a:t>6</a:t>
+            </a:fld>
+            <a:endParaRPr lang="en-US"/>
+          </a:p>
+        </p:txBody>
+      </p:sp>
+    </p:spTree>
+    <p:extLst>
+      <p:ext uri="{BB962C8B-B14F-4D97-AF65-F5344CB8AC3E}">
         <p14:creationId xmlns:p14="http://schemas.microsoft.com/office/powerpoint/2010/main" val="4085786118"/>
       </p:ext>
     </p:extLst>
@@ -7202,17 +7538,10 @@
   <p:clrMapOvr>
     <a:masterClrMapping/>
   </p:clrMapOvr>
-  <p:timing>
-    <p:tnLst>
-      <p:par>
-        <p:cTn id="1" dur="indefinite" restart="never" nodeType="tmRoot"/>
-      </p:par>
-    </p:tnLst>
-  </p:timing>
 </p:sld>
 </file>
 
-<file path=ppt/slides/slide6.xml><?xml version="1.0" encoding="utf-8"?>
+<file path=ppt/slides/slide7.xml><?xml version="1.0" encoding="utf-8"?>
 <p:sld xmlns:a="http://schemas.openxmlformats.org/drawingml/2006/main" xmlns:r="http://schemas.openxmlformats.org/officeDocument/2006/relationships" xmlns:p="http://schemas.openxmlformats.org/presentationml/2006/main">
   <p:cSld>
     <p:spTree>
@@ -7291,10 +7620,9 @@
           <a:lstStyle/>
           <a:p>
             <a:r>
-              <a:rPr lang="en-US" dirty="0" smtClean="0"/>
+              <a:rPr lang="en-US" dirty="0"/>
               <a:t>Road Profile in Overall Method</a:t>
             </a:r>
-            <a:endParaRPr lang="en-US" dirty="0"/>
           </a:p>
         </p:txBody>
       </p:sp>
@@ -7321,7 +7649,7 @@
               <a:pPr>
                 <a:defRPr/>
               </a:pPr>
-              <a:t>6</a:t>
+              <a:t>7</a:t>
             </a:fld>
             <a:endParaRPr lang="en-US"/>
           </a:p>
@@ -7377,7 +7705,7 @@
               <a:buNone/>
               <a:tabLst/>
             </a:pPr>
-            <a:endParaRPr kumimoji="0" lang="en-US" sz="1800" b="0" i="0" u="none" strike="noStrike" cap="none" normalizeH="0" baseline="0" smtClean="0">
+            <a:endParaRPr kumimoji="0" lang="en-US" sz="1800" b="0" i="0" u="none" strike="noStrike" cap="none" normalizeH="0" baseline="0">
               <a:ln>
                 <a:noFill/>
               </a:ln>
@@ -7440,7 +7768,7 @@
               <a:buNone/>
               <a:tabLst/>
             </a:pPr>
-            <a:endParaRPr kumimoji="0" lang="en-US" sz="1800" b="0" i="0" u="none" strike="noStrike" cap="none" normalizeH="0" baseline="0" smtClean="0">
+            <a:endParaRPr kumimoji="0" lang="en-US" sz="1800" b="0" i="0" u="none" strike="noStrike" cap="none" normalizeH="0" baseline="0">
               <a:ln>
                 <a:noFill/>
               </a:ln>
@@ -7463,17 +7791,10 @@
   <p:clrMapOvr>
     <a:masterClrMapping/>
   </p:clrMapOvr>
-  <p:timing>
-    <p:tnLst>
-      <p:par>
-        <p:cTn id="1" dur="indefinite" restart="never" nodeType="tmRoot"/>
-      </p:par>
-    </p:tnLst>
-  </p:timing>
 </p:sld>
 </file>
 
-<file path=ppt/slides/slide7.xml><?xml version="1.0" encoding="utf-8"?>
+<file path=ppt/slides/slide8.xml><?xml version="1.0" encoding="utf-8"?>
 <p:sld xmlns:a="http://schemas.openxmlformats.org/drawingml/2006/main" xmlns:r="http://schemas.openxmlformats.org/officeDocument/2006/relationships" xmlns:p="http://schemas.openxmlformats.org/presentationml/2006/main">
   <p:cSld>
     <p:spTree>
@@ -7511,10 +7832,9 @@
           <a:lstStyle/>
           <a:p>
             <a:r>
-              <a:rPr lang="en-US" dirty="0" smtClean="0"/>
+              <a:rPr lang="en-US" dirty="0"/>
               <a:t>Sample Road Discretization</a:t>
             </a:r>
-            <a:endParaRPr lang="en-US" dirty="0"/>
           </a:p>
         </p:txBody>
       </p:sp>
@@ -7541,7 +7861,7 @@
               <a:pPr>
                 <a:defRPr/>
               </a:pPr>
-              <a:t>7</a:t>
+              <a:t>8</a:t>
             </a:fld>
             <a:endParaRPr lang="en-US" dirty="0"/>
           </a:p>
@@ -7666,7 +7986,7 @@
               <a:buNone/>
               <a:tabLst/>
             </a:pPr>
-            <a:endParaRPr kumimoji="0" lang="en-US" sz="1800" b="0" i="0" u="none" strike="noStrike" cap="none" normalizeH="0" baseline="0" smtClean="0">
+            <a:endParaRPr kumimoji="0" lang="en-US" sz="1800" b="0" i="0" u="none" strike="noStrike" cap="none" normalizeH="0" baseline="0">
               <a:ln>
                 <a:noFill/>
               </a:ln>
@@ -7735,7 +8055,7 @@
               <a:buNone/>
               <a:tabLst/>
             </a:pPr>
-            <a:endParaRPr kumimoji="0" lang="en-US" sz="1800" b="0" i="0" u="none" strike="noStrike" cap="none" normalizeH="0" baseline="0" smtClean="0">
+            <a:endParaRPr kumimoji="0" lang="en-US" sz="1800" b="0" i="0" u="none" strike="noStrike" cap="none" normalizeH="0" baseline="0">
               <a:ln>
                 <a:noFill/>
               </a:ln>
@@ -7771,10 +8091,9 @@
           <a:lstStyle/>
           <a:p>
             <a:r>
-              <a:rPr lang="en-US" dirty="0" smtClean="0"/>
+              <a:rPr lang="en-US" dirty="0"/>
               <a:t>Data Filtering</a:t>
             </a:r>
-            <a:endParaRPr lang="en-US" dirty="0"/>
           </a:p>
         </p:txBody>
       </p:sp>
@@ -7801,10 +8120,9 @@
           <a:lstStyle/>
           <a:p>
             <a:r>
-              <a:rPr lang="en-US" dirty="0" smtClean="0"/>
+              <a:rPr lang="en-US" dirty="0"/>
               <a:t>Data Collection</a:t>
             </a:r>
-            <a:endParaRPr lang="en-US" dirty="0"/>
           </a:p>
         </p:txBody>
       </p:sp>
@@ -7831,10 +8149,9 @@
           <a:lstStyle/>
           <a:p>
             <a:r>
-              <a:rPr lang="en-US" dirty="0" smtClean="0"/>
+              <a:rPr lang="en-US" dirty="0"/>
               <a:t>Heading Generation</a:t>
             </a:r>
-            <a:endParaRPr lang="en-US" dirty="0"/>
           </a:p>
         </p:txBody>
       </p:sp>
@@ -7848,17 +8165,10 @@
   <p:clrMapOvr>
     <a:masterClrMapping/>
   </p:clrMapOvr>
-  <p:timing>
-    <p:tnLst>
-      <p:par>
-        <p:cTn id="1" dur="indefinite" restart="never" nodeType="tmRoot"/>
-      </p:par>
-    </p:tnLst>
-  </p:timing>
 </p:sld>
 </file>
 
-<file path=ppt/slides/slide8.xml><?xml version="1.0" encoding="utf-8"?>
+<file path=ppt/slides/slide9.xml><?xml version="1.0" encoding="utf-8"?>
 <p:sld xmlns:a="http://schemas.openxmlformats.org/drawingml/2006/main" xmlns:r="http://schemas.openxmlformats.org/officeDocument/2006/relationships" xmlns:p="http://schemas.openxmlformats.org/presentationml/2006/main">
   <p:cSld>
     <p:spTree>
@@ -7891,10 +8201,9 @@
           <a:lstStyle/>
           <a:p>
             <a:r>
-              <a:rPr lang="en-US" dirty="0" smtClean="0"/>
+              <a:rPr lang="en-US" dirty="0"/>
               <a:t>Implementation Example</a:t>
             </a:r>
-            <a:endParaRPr lang="en-US" dirty="0"/>
           </a:p>
         </p:txBody>
       </p:sp>
@@ -7946,7 +8255,7 @@
               <a:pPr>
                 <a:defRPr/>
               </a:pPr>
-              <a:t>8</a:t>
+              <a:t>9</a:t>
             </a:fld>
             <a:endParaRPr lang="en-US"/>
           </a:p>
@@ -8009,10 +8318,9 @@
           <a:lstStyle/>
           <a:p>
             <a:r>
-              <a:rPr lang="en-US" dirty="0" smtClean="0"/>
+              <a:rPr lang="en-US" dirty="0"/>
               <a:t>This zone has conflict agreements in between the sensors and the vehicle Electronic Central Unit (i.e. steer or keep straight). Furthermore, weather factors such as rain, sand, or snow can increase the uncertainty of the vehicle to make decisions. </a:t>
             </a:r>
-            <a:endParaRPr lang="en-US" dirty="0"/>
           </a:p>
         </p:txBody>
       </p:sp>
@@ -8020,157 +8328,6 @@
     <p:extLst>
       <p:ext uri="{BB962C8B-B14F-4D97-AF65-F5344CB8AC3E}">
         <p14:creationId xmlns:p14="http://schemas.microsoft.com/office/powerpoint/2010/main" val="1002280522"/>
-      </p:ext>
-    </p:extLst>
-  </p:cSld>
-  <p:clrMapOvr>
-    <a:masterClrMapping/>
-  </p:clrMapOvr>
-</p:sld>
-</file>
-
-<file path=ppt/slides/slide9.xml><?xml version="1.0" encoding="utf-8"?>
-<p:sld xmlns:a="http://schemas.openxmlformats.org/drawingml/2006/main" xmlns:r="http://schemas.openxmlformats.org/officeDocument/2006/relationships" xmlns:p="http://schemas.openxmlformats.org/presentationml/2006/main">
-  <p:cSld>
-    <p:spTree>
-      <p:nvGrpSpPr>
-        <p:cNvPr id="1" name=""/>
-        <p:cNvGrpSpPr/>
-        <p:nvPr/>
-      </p:nvGrpSpPr>
-      <p:grpSpPr>
-        <a:xfrm>
-          <a:off x="0" y="0"/>
-          <a:ext cx="0" cy="0"/>
-          <a:chOff x="0" y="0"/>
-          <a:chExt cx="0" cy="0"/>
-        </a:xfrm>
-      </p:grpSpPr>
-      <p:sp>
-        <p:nvSpPr>
-          <p:cNvPr id="2" name="Title 1"/>
-          <p:cNvSpPr>
-            <a:spLocks noGrp="1"/>
-          </p:cNvSpPr>
-          <p:nvPr>
-            <p:ph type="title"/>
-          </p:nvPr>
-        </p:nvSpPr>
-        <p:spPr/>
-        <p:txBody>
-          <a:bodyPr/>
-          <a:lstStyle/>
-          <a:p>
-            <a:r>
-              <a:rPr lang="en-US" dirty="0"/>
-              <a:t>Current Work </a:t>
-            </a:r>
-          </a:p>
-        </p:txBody>
-      </p:sp>
-      <p:sp>
-        <p:nvSpPr>
-          <p:cNvPr id="3" name="Content Placeholder 2"/>
-          <p:cNvSpPr>
-            <a:spLocks noGrp="1"/>
-          </p:cNvSpPr>
-          <p:nvPr>
-            <p:ph idx="1"/>
-          </p:nvPr>
-        </p:nvSpPr>
-        <p:spPr>
-          <a:xfrm>
-            <a:off x="457200" y="1631576"/>
-            <a:ext cx="7812741" cy="3886200"/>
-          </a:xfrm>
-        </p:spPr>
-        <p:txBody>
-          <a:bodyPr/>
-          <a:lstStyle/>
-          <a:p>
-            <a:r>
-              <a:rPr lang="en-US" dirty="0" smtClean="0"/>
-              <a:t>Road Profile Filtering/Smoothing</a:t>
-            </a:r>
-          </a:p>
-          <a:p>
-            <a:pPr lvl="1"/>
-            <a:r>
-              <a:rPr lang="en-US" dirty="0" smtClean="0"/>
-              <a:t>Data can come from multiple source</a:t>
-            </a:r>
-          </a:p>
-          <a:p>
-            <a:pPr lvl="2"/>
-            <a:r>
-              <a:rPr lang="en-US" dirty="0" smtClean="0"/>
-              <a:t>Satellite scans, GPS, lidar scans</a:t>
-            </a:r>
-          </a:p>
-          <a:p>
-            <a:r>
-              <a:rPr lang="en-US" dirty="0" smtClean="0"/>
-              <a:t>Optimization </a:t>
-            </a:r>
-            <a:r>
-              <a:rPr lang="en-US" dirty="0"/>
-              <a:t>Method for Road Profile</a:t>
-            </a:r>
-          </a:p>
-          <a:p>
-            <a:pPr lvl="1"/>
-            <a:r>
-              <a:rPr lang="en-US" dirty="0"/>
-              <a:t>Selection of the best trajectory dependent on certain </a:t>
-            </a:r>
-            <a:r>
-              <a:rPr lang="en-US" dirty="0" smtClean="0"/>
-              <a:t>vehicle parameters</a:t>
-            </a:r>
-            <a:endParaRPr lang="en-US" dirty="0"/>
-          </a:p>
-          <a:p>
-            <a:pPr lvl="2"/>
-            <a:r>
-              <a:rPr lang="en-US" dirty="0"/>
-              <a:t>Current Velocity, Vehicle dimensions, Street Guidelines. </a:t>
-            </a:r>
-          </a:p>
-        </p:txBody>
-      </p:sp>
-      <p:sp>
-        <p:nvSpPr>
-          <p:cNvPr id="4" name="Slide Number Placeholder 3"/>
-          <p:cNvSpPr>
-            <a:spLocks noGrp="1"/>
-          </p:cNvSpPr>
-          <p:nvPr>
-            <p:ph type="sldNum" sz="quarter" idx="11"/>
-          </p:nvPr>
-        </p:nvSpPr>
-        <p:spPr/>
-        <p:txBody>
-          <a:bodyPr/>
-          <a:lstStyle/>
-          <a:p>
-            <a:pPr>
-              <a:defRPr/>
-            </a:pPr>
-            <a:fld id="{62652FC9-B4A2-484B-A2FC-89D150CA4223}" type="slidenum">
-              <a:rPr lang="en-US" smtClean="0"/>
-              <a:pPr>
-                <a:defRPr/>
-              </a:pPr>
-              <a:t>9</a:t>
-            </a:fld>
-            <a:endParaRPr lang="en-US"/>
-          </a:p>
-        </p:txBody>
-      </p:sp>
-    </p:spTree>
-    <p:extLst>
-      <p:ext uri="{BB962C8B-B14F-4D97-AF65-F5344CB8AC3E}">
-        <p14:creationId xmlns:p14="http://schemas.microsoft.com/office/powerpoint/2010/main" val="2364432266"/>
       </p:ext>
     </p:extLst>
   </p:cSld>

--- a/files/Doctoral Stuff/3-13-2020-Program of Studies Meeting.pptx
+++ b/files/Doctoral Stuff/3-13-2020-Program of Studies Meeting.pptx
@@ -6322,6 +6322,14 @@
   <p:clrMapOvr>
     <a:masterClrMapping/>
   </p:clrMapOvr>
+  <mc:AlternateContent xmlns:mc="http://schemas.openxmlformats.org/markup-compatibility/2006">
+    <mc:Choice xmlns:p14="http://schemas.microsoft.com/office/powerpoint/2010/main" Requires="p14">
+      <p:transition spd="slow" p14:dur="2000"/>
+    </mc:Choice>
+    <mc:Fallback>
+      <p:transition spd="slow"/>
+    </mc:Fallback>
+  </mc:AlternateContent>
 </p:sld>
 </file>
 
@@ -6429,6 +6437,14 @@
   <p:clrMapOvr>
     <a:masterClrMapping/>
   </p:clrMapOvr>
+  <mc:AlternateContent xmlns:mc="http://schemas.openxmlformats.org/markup-compatibility/2006">
+    <mc:Choice xmlns:p14="http://schemas.microsoft.com/office/powerpoint/2010/main" Requires="p14">
+      <p:transition spd="slow" p14:dur="2000"/>
+    </mc:Choice>
+    <mc:Fallback>
+      <p:transition spd="slow"/>
+    </mc:Fallback>
+  </mc:AlternateContent>
 </p:sld>
 </file>
 
